--- a/SQL for Data Science Capstone Project/Waterpump.pptx
+++ b/SQL for Data Science Capstone Project/Waterpump.pptx
@@ -16,9 +16,9 @@
     <p:sldId id="272" r:id="rId7"/>
     <p:sldId id="274" r:id="rId8"/>
     <p:sldId id="273" r:id="rId9"/>
-    <p:sldId id="277" r:id="rId10"/>
-    <p:sldId id="278" r:id="rId11"/>
-    <p:sldId id="280" r:id="rId12"/>
+    <p:sldId id="280" r:id="rId10"/>
+    <p:sldId id="277" r:id="rId11"/>
+    <p:sldId id="278" r:id="rId12"/>
     <p:sldId id="279" r:id="rId13"/>
     <p:sldId id="288" r:id="rId14"/>
     <p:sldId id="282" r:id="rId15"/>
@@ -247,7 +247,7 @@
           <a:p>
             <a:fld id="{705E03B7-B591-4A2A-B695-014C5A39F13E}" type="datetimeFigureOut">
               <a:rPr lang="en-US"/>
-              <a:t>9/13/2020</a:t>
+              <a:t>9/14/2020</a:t>
             </a:fld>
             <a:endParaRPr/>
           </a:p>
@@ -412,7 +412,7 @@
           <a:p>
             <a:fld id="{67DFBD7B-E4FB-4AA8-9540-FD148073ACB3}" type="datetimeFigureOut">
               <a:rPr lang="en-US"/>
-              <a:t>9/13/2020</a:t>
+              <a:t>9/14/2020</a:t>
             </a:fld>
             <a:endParaRPr/>
           </a:p>
@@ -748,7 +748,7 @@
     </p:spTree>
     <p:extLst>
       <p:ext uri="{BB962C8B-B14F-4D97-AF65-F5344CB8AC3E}">
-        <p14:creationId xmlns:p14="http://schemas.microsoft.com/office/powerpoint/2010/main" val="3463104117"/>
+        <p14:creationId xmlns:p14="http://schemas.microsoft.com/office/powerpoint/2010/main" val="1195113180"/>
       </p:ext>
     </p:extLst>
   </p:cSld>
@@ -907,7 +907,7 @@
           <a:p>
             <a:fld id="{B045B7DE-1198-4F2F-B574-CA8CAE341642}" type="slidenum">
               <a:rPr lang="en-US" smtClean="0"/>
-              <a:t>8</a:t>
+              <a:t>7</a:t>
             </a:fld>
             <a:endParaRPr lang="en-US"/>
           </a:p>
@@ -916,7 +916,7 @@
     </p:spTree>
     <p:extLst>
       <p:ext uri="{BB962C8B-B14F-4D97-AF65-F5344CB8AC3E}">
-        <p14:creationId xmlns:p14="http://schemas.microsoft.com/office/powerpoint/2010/main" val="1195113180"/>
+        <p14:creationId xmlns:p14="http://schemas.microsoft.com/office/powerpoint/2010/main" val="3463104117"/>
       </p:ext>
     </p:extLst>
   </p:cSld>
@@ -1898,7 +1898,7 @@
           <a:p>
             <a:fld id="{A7209051-6E81-43E8-9099-FF6A0C3DCFE8}" type="datetime1">
               <a:rPr lang="en-US"/>
-              <a:t>9/13/2020</a:t>
+              <a:t>9/14/2020</a:t>
             </a:fld>
             <a:endParaRPr/>
           </a:p>
@@ -2099,7 +2099,7 @@
           <a:p>
             <a:fld id="{EDCEAB04-7709-4C1E-A61A-74684A0170FC}" type="datetime1">
               <a:rPr lang="en-US"/>
-              <a:t>9/13/2020</a:t>
+              <a:t>9/14/2020</a:t>
             </a:fld>
             <a:endParaRPr/>
           </a:p>
@@ -2649,7 +2649,7 @@
           <a:p>
             <a:fld id="{0C79BD0D-E0B1-4CED-AC65-708AC79EB9CD}" type="datetime1">
               <a:rPr lang="en-US"/>
-              <a:t>9/13/2020</a:t>
+              <a:t>9/14/2020</a:t>
             </a:fld>
             <a:endParaRPr/>
           </a:p>
@@ -2850,7 +2850,7 @@
           <a:p>
             <a:fld id="{0CC3EA6D-DF0B-4D4B-B359-5F1D1D0E30A4}" type="datetime1">
               <a:rPr lang="en-US"/>
-              <a:t>9/13/2020</a:t>
+              <a:t>9/14/2020</a:t>
             </a:fld>
             <a:endParaRPr/>
           </a:p>
@@ -3454,7 +3454,7 @@
           <a:p>
             <a:fld id="{977EDB99-15BC-4479-BAC5-1E502E66917A}" type="datetime1">
               <a:rPr lang="en-US"/>
-              <a:t>9/13/2020</a:t>
+              <a:t>9/14/2020</a:t>
             </a:fld>
             <a:endParaRPr/>
           </a:p>
@@ -3766,7 +3766,7 @@
           <a:p>
             <a:fld id="{4067C2A3-CD19-48AB-9F64-ECCF75182EDD}" type="datetime1">
               <a:rPr lang="en-US"/>
-              <a:t>9/13/2020</a:t>
+              <a:t>9/14/2020</a:t>
             </a:fld>
             <a:endParaRPr/>
           </a:p>
@@ -4228,7 +4228,7 @@
           <a:p>
             <a:fld id="{0363E8C1-7C87-4705-AB97-8CD17D208E3F}" type="datetime1">
               <a:rPr lang="en-US"/>
-              <a:t>9/13/2020</a:t>
+              <a:t>9/14/2020</a:t>
             </a:fld>
             <a:endParaRPr/>
           </a:p>
@@ -4361,7 +4361,7 @@
           <a:p>
             <a:fld id="{E20C624E-DF92-4841-B9B9-DD11AA239B85}" type="datetime1">
               <a:rPr lang="en-US"/>
-              <a:t>9/13/2020</a:t>
+              <a:t>9/14/2020</a:t>
             </a:fld>
             <a:endParaRPr/>
           </a:p>
@@ -4654,7 +4654,7 @@
           <a:p>
             <a:fld id="{FBDA3AE1-4360-4D5B-BDBC-656B872DD533}" type="datetime1">
               <a:rPr lang="en-US"/>
-              <a:t>9/13/2020</a:t>
+              <a:t>9/14/2020</a:t>
             </a:fld>
             <a:endParaRPr/>
           </a:p>
@@ -4953,7 +4953,7 @@
           <a:p>
             <a:fld id="{20990708-46A4-4851-883E-8DFB8939107E}" type="datetime1">
               <a:rPr lang="en-US"/>
-              <a:t>9/13/2020</a:t>
+              <a:t>9/14/2020</a:t>
             </a:fld>
             <a:endParaRPr/>
           </a:p>
@@ -5237,7 +5237,7 @@
           <a:p>
             <a:fld id="{AE88EFFC-86AE-4294-A319-CAFC2651994B}" type="datetime1">
               <a:rPr lang="en-US"/>
-              <a:t>9/13/2020</a:t>
+              <a:t>9/14/2020</a:t>
             </a:fld>
             <a:endParaRPr/>
           </a:p>
@@ -5819,7 +5819,7 @@
             <a:fld id="{D29E8617-6EA8-4B97-A5E8-E18E98765EE2}" type="datetime1">
               <a:rPr lang="en-US"/>
               <a:pPr/>
-              <a:t>9/13/2020</a:t>
+              <a:t>9/14/2020</a:t>
             </a:fld>
             <a:endParaRPr dirty="0"/>
           </a:p>
@@ -6266,7 +6266,7 @@
           <a:p>
             <a:r>
               <a:rPr lang="en-US" dirty="0"/>
-              <a:t>Water Pump Findings</a:t>
+              <a:t>Water Pump Presentation</a:t>
             </a:r>
           </a:p>
         </p:txBody>
@@ -6288,7 +6288,7 @@
           <a:p>
             <a:r>
               <a:rPr lang="en-US" dirty="0"/>
-              <a:t>Presentation on analysis results and model</a:t>
+              <a:t>For Tanzania Ministry of Water</a:t>
             </a:r>
           </a:p>
         </p:txBody>
@@ -6401,13 +6401,13 @@
   <p:clrMapOvr>
     <a:masterClrMapping/>
   </p:clrMapOvr>
-  <mc:AlternateContent xmlns:mc="http://schemas.openxmlformats.org/markup-compatibility/2006">
-    <mc:Choice xmlns:p14="http://schemas.microsoft.com/office/powerpoint/2010/main" Requires="p14">
+  <mc:AlternateContent xmlns:mc="http://schemas.openxmlformats.org/markup-compatibility/2006" xmlns:p14="http://schemas.microsoft.com/office/powerpoint/2010/main">
+    <mc:Choice Requires="p14">
       <p:transition spd="med" p14:dur="700">
         <p:fade/>
       </p:transition>
     </mc:Choice>
-    <mc:Fallback>
+    <mc:Fallback xmlns="">
       <p:transition spd="med">
         <p:fade/>
       </p:transition>
@@ -6450,7 +6450,7 @@
           <a:p>
             <a:r>
               <a:rPr lang="en-US" dirty="0"/>
-              <a:t>Management performances are almost equal</a:t>
+              <a:t>Management types are dominant on one party</a:t>
             </a:r>
           </a:p>
         </p:txBody>
@@ -6502,13 +6502,13 @@
   <p:clrMapOvr>
     <a:masterClrMapping/>
   </p:clrMapOvr>
-  <mc:AlternateContent xmlns:mc="http://schemas.openxmlformats.org/markup-compatibility/2006">
-    <mc:Choice xmlns:p14="http://schemas.microsoft.com/office/powerpoint/2010/main" Requires="p14">
+  <mc:AlternateContent xmlns:mc="http://schemas.openxmlformats.org/markup-compatibility/2006" xmlns:p14="http://schemas.microsoft.com/office/powerpoint/2010/main">
+    <mc:Choice Requires="p14">
       <p:transition spd="med" p14:dur="700">
         <p:fade/>
       </p:transition>
     </mc:Choice>
-    <mc:Fallback>
+    <mc:Fallback xmlns="">
       <p:transition spd="med">
         <p:fade/>
       </p:transition>
@@ -6600,13 +6600,13 @@
   <p:clrMapOvr>
     <a:masterClrMapping/>
   </p:clrMapOvr>
-  <mc:AlternateContent xmlns:mc="http://schemas.openxmlformats.org/markup-compatibility/2006">
-    <mc:Choice xmlns:p14="http://schemas.microsoft.com/office/powerpoint/2010/main" Requires="p14">
+  <mc:AlternateContent xmlns:mc="http://schemas.openxmlformats.org/markup-compatibility/2006" xmlns:p14="http://schemas.microsoft.com/office/powerpoint/2010/main">
+    <mc:Choice Requires="p14">
       <p:transition spd="med" p14:dur="700">
         <p:fade/>
       </p:transition>
     </mc:Choice>
-    <mc:Fallback>
+    <mc:Fallback xmlns="">
       <p:transition spd="med">
         <p:fade/>
       </p:transition>
@@ -6698,13 +6698,13 @@
   <p:clrMapOvr>
     <a:masterClrMapping/>
   </p:clrMapOvr>
-  <mc:AlternateContent xmlns:mc="http://schemas.openxmlformats.org/markup-compatibility/2006">
-    <mc:Choice xmlns:p14="http://schemas.microsoft.com/office/powerpoint/2010/main" Requires="p14">
+  <mc:AlternateContent xmlns:mc="http://schemas.openxmlformats.org/markup-compatibility/2006" xmlns:p14="http://schemas.microsoft.com/office/powerpoint/2010/main">
+    <mc:Choice Requires="p14">
       <p:transition spd="med" p14:dur="700">
         <p:fade/>
       </p:transition>
     </mc:Choice>
-    <mc:Fallback>
+    <mc:Fallback xmlns="">
       <p:transition spd="med">
         <p:fade/>
       </p:transition>
@@ -6796,13 +6796,13 @@
   <p:clrMapOvr>
     <a:masterClrMapping/>
   </p:clrMapOvr>
-  <mc:AlternateContent xmlns:mc="http://schemas.openxmlformats.org/markup-compatibility/2006">
-    <mc:Choice xmlns:p14="http://schemas.microsoft.com/office/powerpoint/2010/main" Requires="p14">
+  <mc:AlternateContent xmlns:mc="http://schemas.openxmlformats.org/markup-compatibility/2006" xmlns:p14="http://schemas.microsoft.com/office/powerpoint/2010/main">
+    <mc:Choice Requires="p14">
       <p:transition spd="med" p14:dur="700">
         <p:fade/>
       </p:transition>
     </mc:Choice>
-    <mc:Fallback>
+    <mc:Fallback xmlns="">
       <p:transition spd="med">
         <p:fade/>
       </p:transition>
@@ -6879,8 +6879,8 @@
         </p:blipFill>
         <p:spPr>
           <a:xfrm>
-            <a:off x="1341884" y="1600200"/>
-            <a:ext cx="10441160" cy="4925144"/>
+            <a:off x="621804" y="1600200"/>
+            <a:ext cx="11161240" cy="4925144"/>
           </a:xfrm>
         </p:spPr>
       </p:pic>
@@ -6894,13 +6894,13 @@
   <p:clrMapOvr>
     <a:masterClrMapping/>
   </p:clrMapOvr>
-  <mc:AlternateContent xmlns:mc="http://schemas.openxmlformats.org/markup-compatibility/2006">
-    <mc:Choice xmlns:p14="http://schemas.microsoft.com/office/powerpoint/2010/main" Requires="p14">
+  <mc:AlternateContent xmlns:mc="http://schemas.openxmlformats.org/markup-compatibility/2006" xmlns:p14="http://schemas.microsoft.com/office/powerpoint/2010/main">
+    <mc:Choice Requires="p14">
       <p:transition spd="med" p14:dur="700">
         <p:fade/>
       </p:transition>
     </mc:Choice>
-    <mc:Fallback>
+    <mc:Fallback xmlns="">
       <p:transition spd="med">
         <p:fade/>
       </p:transition>
@@ -6948,25 +6948,6 @@
           </a:p>
         </p:txBody>
       </p:sp>
-      <p:sp>
-        <p:nvSpPr>
-          <p:cNvPr id="3" name="Text Placeholder 2"/>
-          <p:cNvSpPr>
-            <a:spLocks noGrp="1"/>
-          </p:cNvSpPr>
-          <p:nvPr>
-            <p:ph type="body" idx="1"/>
-          </p:nvPr>
-        </p:nvSpPr>
-        <p:spPr/>
-        <p:txBody>
-          <a:bodyPr/>
-          <a:lstStyle/>
-          <a:p>
-            <a:endParaRPr lang="en-US" dirty="0"/>
-          </a:p>
-        </p:txBody>
-      </p:sp>
     </p:spTree>
     <p:extLst>
       <p:ext uri="{BB962C8B-B14F-4D97-AF65-F5344CB8AC3E}">
@@ -6977,13 +6958,13 @@
   <p:clrMapOvr>
     <a:masterClrMapping/>
   </p:clrMapOvr>
-  <mc:AlternateContent xmlns:mc="http://schemas.openxmlformats.org/markup-compatibility/2006">
-    <mc:Choice xmlns:p14="http://schemas.microsoft.com/office/powerpoint/2010/main" Requires="p14">
+  <mc:AlternateContent xmlns:mc="http://schemas.openxmlformats.org/markup-compatibility/2006" xmlns:p14="http://schemas.microsoft.com/office/powerpoint/2010/main">
+    <mc:Choice Requires="p14">
       <p:transition spd="med" p14:dur="700">
         <p:fade/>
       </p:transition>
     </mc:Choice>
-    <mc:Fallback>
+    <mc:Fallback xmlns="">
       <p:transition spd="med">
         <p:fade/>
       </p:transition>
@@ -7059,7 +7040,7 @@
           <a:p>
             <a:r>
               <a:rPr lang="en-US" dirty="0"/>
-              <a:t>Population are more or less similar in numbers and did not much affect water pump operations</a:t>
+              <a:t>Population are more or less similar in numbers and did not much affect water pump operations, hypothesis is rejected</a:t>
             </a:r>
           </a:p>
           <a:p>
@@ -7697,7 +7678,7 @@
           <a:p>
             <a:r>
               <a:rPr lang="en-MY" dirty="0"/>
-              <a:t>Initial Hypotheses assumed</a:t>
+              <a:t>Initial Hypotheses</a:t>
             </a:r>
           </a:p>
           <a:p>
@@ -7715,7 +7696,13 @@
           <a:p>
             <a:r>
               <a:rPr lang="en-US" dirty="0"/>
-              <a:t>Recommendation for actions</a:t>
+              <a:t>Insights Discussion</a:t>
+            </a:r>
+          </a:p>
+          <a:p>
+            <a:r>
+              <a:rPr lang="en-US" dirty="0"/>
+              <a:t>Recommendations and Actions</a:t>
             </a:r>
           </a:p>
           <a:p>
@@ -7843,13 +7830,13 @@
   <p:clrMapOvr>
     <a:masterClrMapping/>
   </p:clrMapOvr>
-  <mc:AlternateContent xmlns:mc="http://schemas.openxmlformats.org/markup-compatibility/2006">
-    <mc:Choice xmlns:p14="http://schemas.microsoft.com/office/powerpoint/2010/main" Requires="p14">
+  <mc:AlternateContent xmlns:mc="http://schemas.openxmlformats.org/markup-compatibility/2006" xmlns:p14="http://schemas.microsoft.com/office/powerpoint/2010/main">
+    <mc:Choice Requires="p14">
       <p:transition spd="med" p14:dur="700">
         <p:fade/>
       </p:transition>
     </mc:Choice>
-    <mc:Fallback>
+    <mc:Fallback xmlns="">
       <p:transition spd="med">
         <p:fade/>
       </p:transition>
@@ -7920,7 +7907,7 @@
           <a:p>
             <a:r>
               <a:rPr lang="en-US" dirty="0"/>
-              <a:t>Revamp or restructure water pump management</a:t>
+              <a:t>Revamp or restructure water pump management companies</a:t>
             </a:r>
           </a:p>
           <a:p>
@@ -7962,13 +7949,13 @@
   <p:clrMapOvr>
     <a:masterClrMapping/>
   </p:clrMapOvr>
-  <mc:AlternateContent xmlns:mc="http://schemas.openxmlformats.org/markup-compatibility/2006">
-    <mc:Choice xmlns:p14="http://schemas.microsoft.com/office/powerpoint/2010/main" Requires="p14">
+  <mc:AlternateContent xmlns:mc="http://schemas.openxmlformats.org/markup-compatibility/2006" xmlns:p14="http://schemas.microsoft.com/office/powerpoint/2010/main">
+    <mc:Choice Requires="p14">
       <p:transition spd="med" p14:dur="700">
         <p:fade/>
       </p:transition>
     </mc:Choice>
-    <mc:Fallback>
+    <mc:Fallback xmlns="">
       <p:transition spd="med">
         <p:fade/>
       </p:transition>
@@ -8031,13 +8018,13 @@
   <p:clrMapOvr>
     <a:masterClrMapping/>
   </p:clrMapOvr>
-  <mc:AlternateContent xmlns:mc="http://schemas.openxmlformats.org/markup-compatibility/2006">
-    <mc:Choice xmlns:p14="http://schemas.microsoft.com/office/powerpoint/2010/main" Requires="p14">
+  <mc:AlternateContent xmlns:mc="http://schemas.openxmlformats.org/markup-compatibility/2006" xmlns:p14="http://schemas.microsoft.com/office/powerpoint/2010/main">
+    <mc:Choice Requires="p14">
       <p:transition spd="med" p14:dur="700">
         <p:fade/>
       </p:transition>
     </mc:Choice>
-    <mc:Fallback>
+    <mc:Fallback xmlns="">
       <p:transition spd="med">
         <p:fade/>
       </p:transition>
@@ -8142,12 +8129,8 @@
           <a:lstStyle/>
           <a:p>
             <a:r>
-              <a:rPr lang="en-US" dirty="0" err="1"/>
-              <a:t>Github</a:t>
-            </a:r>
-            <a:r>
               <a:rPr lang="en-US" dirty="0"/>
-              <a:t> Link: </a:t>
+              <a:t>GitHub Link: </a:t>
             </a:r>
             <a:r>
               <a:rPr lang="en-US" dirty="0">
@@ -8234,7 +8217,7 @@
           <a:p>
             <a:r>
               <a:rPr lang="en-MY" dirty="0"/>
-              <a:t>Project Proposal</a:t>
+              <a:t>Project Proposal for Tanzania Ministry of Water</a:t>
             </a:r>
           </a:p>
         </p:txBody>
@@ -8256,19 +8239,25 @@
           <a:p>
             <a:r>
               <a:rPr lang="en-US" dirty="0"/>
-              <a:t>Pinpoint any location that has water pump breakdowns</a:t>
+              <a:t>Pinpoint any location/areas that has water pump breakdowns</a:t>
             </a:r>
           </a:p>
           <a:p>
             <a:r>
               <a:rPr lang="en-US" dirty="0"/>
-              <a:t>Management types affecting pump maintenances</a:t>
+              <a:t>Discover which management types affecting pump maintenances</a:t>
             </a:r>
           </a:p>
           <a:p>
             <a:r>
               <a:rPr lang="en-US" dirty="0"/>
-              <a:t>Water extraction techniques, water sources and water points examined</a:t>
+              <a:t>Examine water extraction techniques, water sources and water points for relationships</a:t>
+            </a:r>
+          </a:p>
+          <a:p>
+            <a:r>
+              <a:rPr lang="en-US" dirty="0"/>
+              <a:t>Create a machine learning model for prediction</a:t>
             </a:r>
           </a:p>
         </p:txBody>
@@ -8332,7 +8321,7 @@
           <a:p>
             <a:r>
               <a:rPr lang="en-MY" dirty="0"/>
-              <a:t>Initial Hypotheses Assumed</a:t>
+              <a:t>Initial Hypotheses</a:t>
             </a:r>
           </a:p>
         </p:txBody>
@@ -8354,7 +8343,7 @@
           <a:p>
             <a:r>
               <a:rPr lang="en-US" dirty="0"/>
-              <a:t>Geographic locations like Basin, </a:t>
+              <a:t>Geographic locations such as Basin, </a:t>
             </a:r>
             <a:r>
               <a:rPr lang="en-US" dirty="0" err="1"/>
@@ -8362,19 +8351,19 @@
             </a:r>
             <a:r>
               <a:rPr lang="en-US" dirty="0"/>
-              <a:t> and Region will determine pump operations</a:t>
+              <a:t> and Region will provide pump statuses</a:t>
             </a:r>
           </a:p>
           <a:p>
             <a:r>
               <a:rPr lang="en-US" dirty="0"/>
-              <a:t>Populations that has pumps are more or less similar in surrounding areas or evenly distributed</a:t>
+              <a:t>Populations density throughout Tanzania are equally distributed</a:t>
             </a:r>
           </a:p>
           <a:p>
             <a:r>
               <a:rPr lang="en-US" dirty="0"/>
-              <a:t>Water source, types, quantities, quality are consistent in all water pumps</a:t>
+              <a:t>Water source, types, quantity and quality are consistent in all water pumps</a:t>
             </a:r>
           </a:p>
         </p:txBody>
@@ -8460,13 +8449,27 @@
           <a:p>
             <a:r>
               <a:rPr lang="en-US" dirty="0"/>
-              <a:t>Use Geographic locations, Management and Extraction features to do data exploration and mining insights</a:t>
-            </a:r>
-          </a:p>
-          <a:p>
+              <a:t>Location analysis will use basin, sub village, region, region code and district code features. Extra information can be gleaned from </a:t>
+            </a:r>
+            <a:r>
+              <a:rPr lang="en-US" dirty="0" err="1"/>
+              <a:t>gps</a:t>
+            </a:r>
             <a:r>
               <a:rPr lang="en-US" dirty="0"/>
-              <a:t>Proper graphs to illustrate any relationships</a:t>
+              <a:t> height, longitude and latitude.</a:t>
+            </a:r>
+          </a:p>
+          <a:p>
+            <a:r>
+              <a:rPr lang="en-US" dirty="0"/>
+              <a:t>Population will use population and public meeting columns</a:t>
+            </a:r>
+          </a:p>
+          <a:p>
+            <a:r>
+              <a:rPr lang="en-US" dirty="0"/>
+              <a:t>Source, source type, source class, waterpoint type, waterpoint type group columns will be explored to see any connection to pumps</a:t>
             </a:r>
           </a:p>
           <a:p>
@@ -8503,6 +8506,142 @@
 </file>
 
 <file path=ppt/slides/slide6.xml><?xml version="1.0" encoding="utf-8"?>
+<p:sld xmlns:a="http://schemas.openxmlformats.org/drawingml/2006/main" xmlns:r="http://schemas.openxmlformats.org/officeDocument/2006/relationships" xmlns:p="http://schemas.openxmlformats.org/presentationml/2006/main">
+  <p:cSld>
+    <p:spTree>
+      <p:nvGrpSpPr>
+        <p:cNvPr id="1" name=""/>
+        <p:cNvGrpSpPr/>
+        <p:nvPr/>
+      </p:nvGrpSpPr>
+      <p:grpSpPr>
+        <a:xfrm>
+          <a:off x="0" y="0"/>
+          <a:ext cx="0" cy="0"/>
+          <a:chOff x="0" y="0"/>
+          <a:chExt cx="0" cy="0"/>
+        </a:xfrm>
+      </p:grpSpPr>
+      <p:sp>
+        <p:nvSpPr>
+          <p:cNvPr id="2" name="Title 1"/>
+          <p:cNvSpPr>
+            <a:spLocks noGrp="1"/>
+          </p:cNvSpPr>
+          <p:nvPr>
+            <p:ph type="title"/>
+          </p:nvPr>
+        </p:nvSpPr>
+        <p:spPr/>
+        <p:txBody>
+          <a:bodyPr/>
+          <a:lstStyle/>
+          <a:p>
+            <a:r>
+              <a:rPr lang="en-US" dirty="0"/>
+              <a:t>Dataset Overview</a:t>
+            </a:r>
+          </a:p>
+        </p:txBody>
+      </p:sp>
+      <p:pic>
+        <p:nvPicPr>
+          <p:cNvPr id="5" name="Picture Placeholder 4">
+            <a:extLst>
+              <a:ext uri="{FF2B5EF4-FFF2-40B4-BE49-F238E27FC236}">
+                <a16:creationId xmlns:a16="http://schemas.microsoft.com/office/drawing/2014/main" id="{2862ABB0-BEFD-4410-AA71-01F395E9603F}"/>
+              </a:ext>
+            </a:extLst>
+          </p:cNvPr>
+          <p:cNvPicPr>
+            <a:picLocks noGrp="1" noChangeAspect="1"/>
+          </p:cNvPicPr>
+          <p:nvPr>
+            <p:ph type="pic" idx="1"/>
+          </p:nvPr>
+        </p:nvPicPr>
+        <p:blipFill>
+          <a:blip r:embed="rId3">
+            <a:extLst>
+              <a:ext uri="{28A0092B-C50C-407E-A947-70E740481C1C}">
+                <a14:useLocalDpi xmlns:a14="http://schemas.microsoft.com/office/drawing/2010/main" val="0"/>
+              </a:ext>
+            </a:extLst>
+          </a:blip>
+          <a:srcRect l="12136" r="12136"/>
+          <a:stretch>
+            <a:fillRect/>
+          </a:stretch>
+        </p:blipFill>
+        <p:spPr>
+          <a:xfrm>
+            <a:off x="1053852" y="1600200"/>
+            <a:ext cx="6868885" cy="3657600"/>
+          </a:xfrm>
+        </p:spPr>
+      </p:pic>
+      <p:sp>
+        <p:nvSpPr>
+          <p:cNvPr id="4" name="Text Placeholder 3"/>
+          <p:cNvSpPr>
+            <a:spLocks noGrp="1"/>
+          </p:cNvSpPr>
+          <p:nvPr>
+            <p:ph type="body" sz="half" idx="2"/>
+          </p:nvPr>
+        </p:nvSpPr>
+        <p:spPr/>
+        <p:txBody>
+          <a:bodyPr anchor="t">
+            <a:normAutofit/>
+          </a:bodyPr>
+          <a:lstStyle/>
+          <a:p>
+            <a:r>
+              <a:rPr lang="en-US" dirty="0"/>
+              <a:t>Dataset Size:</a:t>
+            </a:r>
+          </a:p>
+          <a:p>
+            <a:r>
+              <a:rPr lang="en-US" dirty="0"/>
+              <a:t>59400 rows</a:t>
+            </a:r>
+          </a:p>
+          <a:p>
+            <a:r>
+              <a:rPr lang="en-US" dirty="0"/>
+              <a:t>41 columns</a:t>
+            </a:r>
+          </a:p>
+        </p:txBody>
+      </p:sp>
+    </p:spTree>
+    <p:extLst>
+      <p:ext uri="{BB962C8B-B14F-4D97-AF65-F5344CB8AC3E}">
+        <p14:creationId xmlns:p14="http://schemas.microsoft.com/office/powerpoint/2010/main" val="309476943"/>
+      </p:ext>
+    </p:extLst>
+  </p:cSld>
+  <p:clrMapOvr>
+    <a:masterClrMapping/>
+  </p:clrMapOvr>
+  <mc:AlternateContent xmlns:mc="http://schemas.openxmlformats.org/markup-compatibility/2006" xmlns:p14="http://schemas.microsoft.com/office/powerpoint/2010/main">
+    <mc:Choice Requires="p14">
+      <p:transition spd="med" p14:dur="700">
+        <p:fade/>
+      </p:transition>
+    </mc:Choice>
+    <mc:Fallback xmlns="">
+      <p:transition spd="med">
+        <p:fade/>
+      </p:transition>
+    </mc:Fallback>
+  </mc:AlternateContent>
+</p:sld>
+</file>
+
+<file path=ppt/slides/slide7.xml><?xml version="1.0" encoding="utf-8"?>
 <p:sld xmlns:a="http://schemas.openxmlformats.org/drawingml/2006/main" xmlns:r="http://schemas.openxmlformats.org/officeDocument/2006/relationships" xmlns:p="http://schemas.openxmlformats.org/presentationml/2006/main">
   <p:cSld>
     <p:spTree>
@@ -8603,7 +8742,7 @@
 </p:sld>
 </file>
 
-<file path=ppt/slides/slide7.xml><?xml version="1.0" encoding="utf-8"?>
+<file path=ppt/slides/slide8.xml><?xml version="1.0" encoding="utf-8"?>
 <p:sld xmlns:a="http://schemas.openxmlformats.org/drawingml/2006/main" xmlns:r="http://schemas.openxmlformats.org/officeDocument/2006/relationships" xmlns:p="http://schemas.openxmlformats.org/presentationml/2006/main">
   <p:cSld>
     <p:spTree>
@@ -8639,25 +8778,6 @@
               <a:rPr lang="en-US" dirty="0"/>
               <a:t>Insights Discovered</a:t>
             </a:r>
-          </a:p>
-        </p:txBody>
-      </p:sp>
-      <p:sp>
-        <p:nvSpPr>
-          <p:cNvPr id="3" name="Text Placeholder 2"/>
-          <p:cNvSpPr>
-            <a:spLocks noGrp="1"/>
-          </p:cNvSpPr>
-          <p:nvPr>
-            <p:ph type="body" idx="1"/>
-          </p:nvPr>
-        </p:nvSpPr>
-        <p:spPr/>
-        <p:txBody>
-          <a:bodyPr/>
-          <a:lstStyle/>
-          <a:p>
-            <a:endParaRPr lang="en-US" dirty="0"/>
           </a:p>
         </p:txBody>
       </p:sp>
@@ -8678,142 +8798,6 @@
       </p:transition>
     </mc:Choice>
     <mc:Fallback xmlns="">
-      <p:transition spd="med">
-        <p:fade/>
-      </p:transition>
-    </mc:Fallback>
-  </mc:AlternateContent>
-</p:sld>
-</file>
-
-<file path=ppt/slides/slide8.xml><?xml version="1.0" encoding="utf-8"?>
-<p:sld xmlns:a="http://schemas.openxmlformats.org/drawingml/2006/main" xmlns:r="http://schemas.openxmlformats.org/officeDocument/2006/relationships" xmlns:p="http://schemas.openxmlformats.org/presentationml/2006/main">
-  <p:cSld>
-    <p:spTree>
-      <p:nvGrpSpPr>
-        <p:cNvPr id="1" name=""/>
-        <p:cNvGrpSpPr/>
-        <p:nvPr/>
-      </p:nvGrpSpPr>
-      <p:grpSpPr>
-        <a:xfrm>
-          <a:off x="0" y="0"/>
-          <a:ext cx="0" cy="0"/>
-          <a:chOff x="0" y="0"/>
-          <a:chExt cx="0" cy="0"/>
-        </a:xfrm>
-      </p:grpSpPr>
-      <p:sp>
-        <p:nvSpPr>
-          <p:cNvPr id="2" name="Title 1"/>
-          <p:cNvSpPr>
-            <a:spLocks noGrp="1"/>
-          </p:cNvSpPr>
-          <p:nvPr>
-            <p:ph type="title"/>
-          </p:nvPr>
-        </p:nvSpPr>
-        <p:spPr/>
-        <p:txBody>
-          <a:bodyPr/>
-          <a:lstStyle/>
-          <a:p>
-            <a:r>
-              <a:rPr lang="en-US" dirty="0"/>
-              <a:t>Dataset Overview</a:t>
-            </a:r>
-          </a:p>
-        </p:txBody>
-      </p:sp>
-      <p:pic>
-        <p:nvPicPr>
-          <p:cNvPr id="5" name="Picture Placeholder 4">
-            <a:extLst>
-              <a:ext uri="{FF2B5EF4-FFF2-40B4-BE49-F238E27FC236}">
-                <a16:creationId xmlns:a16="http://schemas.microsoft.com/office/drawing/2014/main" id="{2862ABB0-BEFD-4410-AA71-01F395E9603F}"/>
-              </a:ext>
-            </a:extLst>
-          </p:cNvPr>
-          <p:cNvPicPr>
-            <a:picLocks noGrp="1" noChangeAspect="1"/>
-          </p:cNvPicPr>
-          <p:nvPr>
-            <p:ph type="pic" idx="1"/>
-          </p:nvPr>
-        </p:nvPicPr>
-        <p:blipFill>
-          <a:blip r:embed="rId3">
-            <a:extLst>
-              <a:ext uri="{28A0092B-C50C-407E-A947-70E740481C1C}">
-                <a14:useLocalDpi xmlns:a14="http://schemas.microsoft.com/office/drawing/2010/main" val="0"/>
-              </a:ext>
-            </a:extLst>
-          </a:blip>
-          <a:srcRect l="12136" r="12136"/>
-          <a:stretch>
-            <a:fillRect/>
-          </a:stretch>
-        </p:blipFill>
-        <p:spPr>
-          <a:xfrm>
-            <a:off x="1053852" y="1600200"/>
-            <a:ext cx="6868885" cy="3657600"/>
-          </a:xfrm>
-        </p:spPr>
-      </p:pic>
-      <p:sp>
-        <p:nvSpPr>
-          <p:cNvPr id="4" name="Text Placeholder 3"/>
-          <p:cNvSpPr>
-            <a:spLocks noGrp="1"/>
-          </p:cNvSpPr>
-          <p:nvPr>
-            <p:ph type="body" sz="half" idx="2"/>
-          </p:nvPr>
-        </p:nvSpPr>
-        <p:spPr/>
-        <p:txBody>
-          <a:bodyPr anchor="t">
-            <a:normAutofit/>
-          </a:bodyPr>
-          <a:lstStyle/>
-          <a:p>
-            <a:r>
-              <a:rPr lang="en-US" dirty="0"/>
-              <a:t>Dataset Size:</a:t>
-            </a:r>
-          </a:p>
-          <a:p>
-            <a:r>
-              <a:rPr lang="en-US" dirty="0"/>
-              <a:t>59400 rows</a:t>
-            </a:r>
-          </a:p>
-          <a:p>
-            <a:r>
-              <a:rPr lang="en-US" dirty="0"/>
-              <a:t>41 columns</a:t>
-            </a:r>
-          </a:p>
-        </p:txBody>
-      </p:sp>
-    </p:spTree>
-    <p:extLst>
-      <p:ext uri="{BB962C8B-B14F-4D97-AF65-F5344CB8AC3E}">
-        <p14:creationId xmlns:p14="http://schemas.microsoft.com/office/powerpoint/2010/main" val="309476943"/>
-      </p:ext>
-    </p:extLst>
-  </p:cSld>
-  <p:clrMapOvr>
-    <a:masterClrMapping/>
-  </p:clrMapOvr>
-  <mc:AlternateContent xmlns:mc="http://schemas.openxmlformats.org/markup-compatibility/2006">
-    <mc:Choice xmlns:p14="http://schemas.microsoft.com/office/powerpoint/2010/main" Requires="p14">
-      <p:transition spd="med" p14:dur="700">
-        <p:fade/>
-      </p:transition>
-    </mc:Choice>
-    <mc:Fallback>
       <p:transition spd="med">
         <p:fade/>
       </p:transition>
@@ -8908,13 +8892,13 @@
   <p:clrMapOvr>
     <a:masterClrMapping/>
   </p:clrMapOvr>
-  <mc:AlternateContent xmlns:mc="http://schemas.openxmlformats.org/markup-compatibility/2006">
-    <mc:Choice xmlns:p14="http://schemas.microsoft.com/office/powerpoint/2010/main" Requires="p14">
+  <mc:AlternateContent xmlns:mc="http://schemas.openxmlformats.org/markup-compatibility/2006" xmlns:p14="http://schemas.microsoft.com/office/powerpoint/2010/main">
+    <mc:Choice Requires="p14">
       <p:transition spd="med" p14:dur="700">
         <p:fade/>
       </p:transition>
     </mc:Choice>
-    <mc:Fallback>
+    <mc:Fallback xmlns="">
       <p:transition spd="med">
         <p:fade/>
       </p:transition>
